--- a/Presentation_Mock_c.pptx
+++ b/Presentation_Mock_c.pptx
@@ -23,23 +23,23 @@
   <p:notesSz cx="6858000" cy="9144000"/>
   <p:embeddedFontLst>
     <p:embeddedFont>
-      <p:font typeface="Oswald Bold" panose="020B0604020202020204" charset="-93"/>
+      <p:font typeface="Montserrat Classic Bold" panose="020B0604020202020204" charset="0"/>
       <p:regular r:id="rId15"/>
     </p:embeddedFont>
     <p:embeddedFont>
-      <p:font typeface="DM Sans Bold" panose="020B0604020202020204" charset="0"/>
+      <p:font typeface="Calibri" panose="020F0502020204030204" pitchFamily="34" charset="0"/>
       <p:regular r:id="rId16"/>
+      <p:bold r:id="rId17"/>
+      <p:italic r:id="rId18"/>
+      <p:boldItalic r:id="rId19"/>
     </p:embeddedFont>
     <p:embeddedFont>
-      <p:font typeface="Montserrat Classic Bold" panose="020B0604020202020204" charset="0"/>
-      <p:regular r:id="rId17"/>
+      <p:font typeface="DM Sans Bold" panose="020B0604020202020204" charset="0"/>
+      <p:regular r:id="rId20"/>
     </p:embeddedFont>
     <p:embeddedFont>
-      <p:font typeface="Calibri" panose="020F0502020204030204" pitchFamily="34" charset="0"/>
-      <p:regular r:id="rId18"/>
-      <p:bold r:id="rId19"/>
-      <p:italic r:id="rId20"/>
-      <p:boldItalic r:id="rId21"/>
+      <p:font typeface="Oswald Bold" panose="020B0604020202020204" charset="-93"/>
+      <p:regular r:id="rId21"/>
     </p:embeddedFont>
     <p:embeddedFont>
       <p:font typeface="DM Sans" panose="020B0604020202020204" charset="0"/>
@@ -3200,7 +3200,7 @@
             <a:blip r:embed="rId3">
               <a:extLst>
                 <a:ext uri="{96DAC541-7B7A-43D3-8B79-37D633B846F1}">
-                  <asvg:svgBlip xmlns:asvg="http://schemas.microsoft.com/office/drawing/2016/SVG/main" xmlns="" r:embed="rId4"/>
+                  <asvg:svgBlip xmlns="" xmlns:asvg="http://schemas.microsoft.com/office/drawing/2016/SVG/main" r:embed="rId4"/>
                 </a:ext>
               </a:extLst>
             </a:blip>
@@ -3252,7 +3252,7 @@
             <a:blip r:embed="rId3">
               <a:extLst>
                 <a:ext uri="{96DAC541-7B7A-43D3-8B79-37D633B846F1}">
-                  <asvg:svgBlip xmlns:asvg="http://schemas.microsoft.com/office/drawing/2016/SVG/main" xmlns="" r:embed="rId4"/>
+                  <asvg:svgBlip xmlns="" xmlns:asvg="http://schemas.microsoft.com/office/drawing/2016/SVG/main" r:embed="rId4"/>
                 </a:ext>
               </a:extLst>
             </a:blip>
@@ -3588,7 +3588,7 @@
             <a:blip r:embed="rId3">
               <a:extLst>
                 <a:ext uri="{96DAC541-7B7A-43D3-8B79-37D633B846F1}">
-                  <asvg:svgBlip xmlns:asvg="http://schemas.microsoft.com/office/drawing/2016/SVG/main" xmlns="" r:embed="rId4"/>
+                  <asvg:svgBlip xmlns="" xmlns:asvg="http://schemas.microsoft.com/office/drawing/2016/SVG/main" r:embed="rId4"/>
                 </a:ext>
               </a:extLst>
             </a:blip>
@@ -4000,52 +4000,6 @@
       </p:grpSpPr>
       <p:sp>
         <p:nvSpPr>
-          <p:cNvPr id="2" name="Freeform 2"/>
-          <p:cNvSpPr/>
-          <p:nvPr/>
-        </p:nvSpPr>
-        <p:spPr>
-          <a:xfrm>
-            <a:off x="0" y="3441271"/>
-            <a:ext cx="12588800" cy="3404458"/>
-          </a:xfrm>
-          <a:custGeom>
-            <a:avLst/>
-            <a:gdLst/>
-            <a:ahLst/>
-            <a:cxnLst/>
-            <a:rect l="l" t="t" r="r" b="b"/>
-            <a:pathLst>
-              <a:path w="12588800" h="3404458">
-                <a:moveTo>
-                  <a:pt x="0" y="0"/>
-                </a:moveTo>
-                <a:lnTo>
-                  <a:pt x="12588800" y="0"/>
-                </a:lnTo>
-                <a:lnTo>
-                  <a:pt x="12588800" y="3404458"/>
-                </a:lnTo>
-                <a:lnTo>
-                  <a:pt x="0" y="3404458"/>
-                </a:lnTo>
-                <a:lnTo>
-                  <a:pt x="0" y="0"/>
-                </a:lnTo>
-                <a:close/>
-              </a:path>
-            </a:pathLst>
-          </a:custGeom>
-          <a:blipFill>
-            <a:blip r:embed="rId2"/>
-            <a:stretch>
-              <a:fillRect/>
-            </a:stretch>
-          </a:blipFill>
-        </p:spPr>
-      </p:sp>
-      <p:sp>
-        <p:nvSpPr>
           <p:cNvPr id="3" name="TextBox 3"/>
           <p:cNvSpPr txBox="1"/>
           <p:nvPr/>
@@ -4174,6 +4128,30 @@
           </a:p>
         </p:txBody>
       </p:sp>
+      <p:pic>
+        <p:nvPicPr>
+          <p:cNvPr id="4" name="Picture 3"/>
+          <p:cNvPicPr>
+            <a:picLocks noChangeAspect="1"/>
+          </p:cNvPicPr>
+          <p:nvPr/>
+        </p:nvPicPr>
+        <p:blipFill>
+          <a:blip r:embed="rId2"/>
+          <a:stretch>
+            <a:fillRect/>
+          </a:stretch>
+        </p:blipFill>
+        <p:spPr>
+          <a:xfrm>
+            <a:off x="23144" y="2781300"/>
+            <a:ext cx="12574755" cy="4915586"/>
+          </a:xfrm>
+          <a:prstGeom prst="rect">
+            <a:avLst/>
+          </a:prstGeom>
+        </p:spPr>
+      </p:pic>
     </p:spTree>
   </p:cSld>
   <p:clrMapOvr>
@@ -4638,7 +4616,7 @@
             <a:blip r:embed="rId2">
               <a:extLst>
                 <a:ext uri="{96DAC541-7B7A-43D3-8B79-37D633B846F1}">
-                  <asvg:svgBlip xmlns:asvg="http://schemas.microsoft.com/office/drawing/2016/SVG/main" xmlns="" r:embed="rId3"/>
+                  <asvg:svgBlip xmlns="" xmlns:asvg="http://schemas.microsoft.com/office/drawing/2016/SVG/main" r:embed="rId3"/>
                 </a:ext>
               </a:extLst>
             </a:blip>
@@ -4728,7 +4706,7 @@
             <a:blip r:embed="rId4">
               <a:extLst>
                 <a:ext uri="{96DAC541-7B7A-43D3-8B79-37D633B846F1}">
-                  <asvg:svgBlip xmlns:asvg="http://schemas.microsoft.com/office/drawing/2016/SVG/main" xmlns="" r:embed="rId5"/>
+                  <asvg:svgBlip xmlns="" xmlns:asvg="http://schemas.microsoft.com/office/drawing/2016/SVG/main" r:embed="rId5"/>
                 </a:ext>
               </a:extLst>
             </a:blip>
@@ -5123,7 +5101,7 @@
             <a:blip r:embed="rId3">
               <a:extLst>
                 <a:ext uri="{96DAC541-7B7A-43D3-8B79-37D633B846F1}">
-                  <asvg:svgBlip xmlns:asvg="http://schemas.microsoft.com/office/drawing/2016/SVG/main" xmlns="" r:embed="rId4"/>
+                  <asvg:svgBlip xmlns="" xmlns:asvg="http://schemas.microsoft.com/office/drawing/2016/SVG/main" r:embed="rId4"/>
                 </a:ext>
               </a:extLst>
             </a:blip>
@@ -5175,7 +5153,7 @@
             <a:blip r:embed="rId5">
               <a:extLst>
                 <a:ext uri="{96DAC541-7B7A-43D3-8B79-37D633B846F1}">
-                  <asvg:svgBlip xmlns:asvg="http://schemas.microsoft.com/office/drawing/2016/SVG/main" xmlns="" r:embed="rId6"/>
+                  <asvg:svgBlip xmlns="" xmlns:asvg="http://schemas.microsoft.com/office/drawing/2016/SVG/main" r:embed="rId6"/>
                 </a:ext>
               </a:extLst>
             </a:blip>
@@ -5422,7 +5400,7 @@
             <a:blip r:embed="rId3">
               <a:extLst>
                 <a:ext uri="{96DAC541-7B7A-43D3-8B79-37D633B846F1}">
-                  <asvg:svgBlip xmlns:asvg="http://schemas.microsoft.com/office/drawing/2016/SVG/main" xmlns="" r:embed="rId4"/>
+                  <asvg:svgBlip xmlns="" xmlns:asvg="http://schemas.microsoft.com/office/drawing/2016/SVG/main" r:embed="rId4"/>
                 </a:ext>
               </a:extLst>
             </a:blip>
@@ -5606,7 +5584,7 @@
             <a:blip r:embed="rId3">
               <a:extLst>
                 <a:ext uri="{96DAC541-7B7A-43D3-8B79-37D633B846F1}">
-                  <asvg:svgBlip xmlns:asvg="http://schemas.microsoft.com/office/drawing/2016/SVG/main" xmlns="" r:embed="rId4"/>
+                  <asvg:svgBlip xmlns="" xmlns:asvg="http://schemas.microsoft.com/office/drawing/2016/SVG/main" r:embed="rId4"/>
                 </a:ext>
               </a:extLst>
             </a:blip>
@@ -5790,7 +5768,7 @@
             <a:blip r:embed="rId3">
               <a:extLst>
                 <a:ext uri="{96DAC541-7B7A-43D3-8B79-37D633B846F1}">
-                  <asvg:svgBlip xmlns:asvg="http://schemas.microsoft.com/office/drawing/2016/SVG/main" xmlns="" r:embed="rId4"/>
+                  <asvg:svgBlip xmlns="" xmlns:asvg="http://schemas.microsoft.com/office/drawing/2016/SVG/main" r:embed="rId4"/>
                 </a:ext>
               </a:extLst>
             </a:blip>
@@ -6091,7 +6069,7 @@
             <a:blip r:embed="rId5">
               <a:extLst>
                 <a:ext uri="{96DAC541-7B7A-43D3-8B79-37D633B846F1}">
-                  <asvg:svgBlip xmlns:asvg="http://schemas.microsoft.com/office/drawing/2016/SVG/main" xmlns="" r:embed="rId6"/>
+                  <asvg:svgBlip xmlns="" xmlns:asvg="http://schemas.microsoft.com/office/drawing/2016/SVG/main" r:embed="rId6"/>
                 </a:ext>
               </a:extLst>
             </a:blip>
@@ -6213,7 +6191,7 @@
             <a:blip r:embed="rId2">
               <a:extLst>
                 <a:ext uri="{96DAC541-7B7A-43D3-8B79-37D633B846F1}">
-                  <asvg:svgBlip xmlns:asvg="http://schemas.microsoft.com/office/drawing/2016/SVG/main" xmlns="" r:embed="rId4"/>
+                  <asvg:svgBlip xmlns="" xmlns:asvg="http://schemas.microsoft.com/office/drawing/2016/SVG/main" r:embed="rId4"/>
                 </a:ext>
               </a:extLst>
             </a:blip>
@@ -6543,52 +6521,6 @@
       </p:grpSpPr>
       <p:sp>
         <p:nvSpPr>
-          <p:cNvPr id="3" name="Freeform 3"/>
-          <p:cNvSpPr/>
-          <p:nvPr/>
-        </p:nvSpPr>
-        <p:spPr>
-          <a:xfrm>
-            <a:off x="10918537" y="0"/>
-            <a:ext cx="3710647" cy="10287000"/>
-          </a:xfrm>
-          <a:custGeom>
-            <a:avLst/>
-            <a:gdLst/>
-            <a:ahLst/>
-            <a:cxnLst/>
-            <a:rect l="l" t="t" r="r" b="b"/>
-            <a:pathLst>
-              <a:path w="3710647" h="10287000">
-                <a:moveTo>
-                  <a:pt x="0" y="0"/>
-                </a:moveTo>
-                <a:lnTo>
-                  <a:pt x="3710647" y="0"/>
-                </a:lnTo>
-                <a:lnTo>
-                  <a:pt x="3710647" y="10287000"/>
-                </a:lnTo>
-                <a:lnTo>
-                  <a:pt x="0" y="10287000"/>
-                </a:lnTo>
-                <a:lnTo>
-                  <a:pt x="0" y="0"/>
-                </a:lnTo>
-                <a:close/>
-              </a:path>
-            </a:pathLst>
-          </a:custGeom>
-          <a:blipFill>
-            <a:blip r:embed="rId2"/>
-            <a:stretch>
-              <a:fillRect/>
-            </a:stretch>
-          </a:blipFill>
-        </p:spPr>
-      </p:sp>
-      <p:sp>
-        <p:nvSpPr>
           <p:cNvPr id="4" name="TextBox 4"/>
           <p:cNvSpPr txBox="1"/>
           <p:nvPr/>
@@ -6628,6 +6560,36 @@
           </a:p>
         </p:txBody>
       </p:sp>
+      <p:pic>
+        <p:nvPicPr>
+          <p:cNvPr id="7" name="Picture 6"/>
+          <p:cNvPicPr>
+            <a:picLocks noChangeAspect="1"/>
+          </p:cNvPicPr>
+          <p:nvPr/>
+        </p:nvPicPr>
+        <p:blipFill>
+          <a:blip r:embed="rId2">
+            <a:extLst>
+              <a:ext uri="{28A0092B-C50C-407E-A947-70E740481C1C}">
+                <a14:useLocalDpi xmlns:a14="http://schemas.microsoft.com/office/drawing/2010/main" val="0"/>
+              </a:ext>
+            </a:extLst>
+          </a:blip>
+          <a:stretch>
+            <a:fillRect/>
+          </a:stretch>
+        </p:blipFill>
+        <p:spPr>
+          <a:xfrm>
+            <a:off x="10058400" y="0"/>
+            <a:ext cx="3851753" cy="10287000"/>
+          </a:xfrm>
+          <a:prstGeom prst="rect">
+            <a:avLst/>
+          </a:prstGeom>
+        </p:spPr>
+      </p:pic>
     </p:spTree>
   </p:cSld>
   <p:clrMapOvr>
@@ -6786,7 +6748,7 @@
             <a:blip r:embed="rId3">
               <a:extLst>
                 <a:ext uri="{96DAC541-7B7A-43D3-8B79-37D633B846F1}">
-                  <asvg:svgBlip xmlns:asvg="http://schemas.microsoft.com/office/drawing/2016/SVG/main" xmlns="" r:embed="rId4"/>
+                  <asvg:svgBlip xmlns="" xmlns:asvg="http://schemas.microsoft.com/office/drawing/2016/SVG/main" r:embed="rId4"/>
                 </a:ext>
               </a:extLst>
             </a:blip>
@@ -7211,7 +7173,7 @@
             <a:blip r:embed="rId3">
               <a:extLst>
                 <a:ext uri="{96DAC541-7B7A-43D3-8B79-37D633B846F1}">
-                  <asvg:svgBlip xmlns:asvg="http://schemas.microsoft.com/office/drawing/2016/SVG/main" xmlns="" r:embed="rId4"/>
+                  <asvg:svgBlip xmlns="" xmlns:asvg="http://schemas.microsoft.com/office/drawing/2016/SVG/main" r:embed="rId4"/>
                 </a:ext>
               </a:extLst>
             </a:blip>
@@ -7531,7 +7493,7 @@
             <a:blip r:embed="rId3">
               <a:extLst>
                 <a:ext uri="{96DAC541-7B7A-43D3-8B79-37D633B846F1}">
-                  <asvg:svgBlip xmlns:asvg="http://schemas.microsoft.com/office/drawing/2016/SVG/main" xmlns="" r:embed="rId4"/>
+                  <asvg:svgBlip xmlns="" xmlns:asvg="http://schemas.microsoft.com/office/drawing/2016/SVG/main" r:embed="rId4"/>
                 </a:ext>
               </a:extLst>
             </a:blip>

--- a/Presentation_Mock_c.pptx
+++ b/Presentation_Mock_c.pptx
@@ -23,7 +23,7 @@
   <p:notesSz cx="6858000" cy="9144000"/>
   <p:embeddedFontLst>
     <p:embeddedFont>
-      <p:font typeface="Montserrat Classic Bold" panose="020B0604020202020204" charset="0"/>
+      <p:font typeface="DM Sans" panose="020B0604020202020204" charset="0"/>
       <p:regular r:id="rId15"/>
     </p:embeddedFont>
     <p:embeddedFont>
@@ -34,15 +34,15 @@
       <p:boldItalic r:id="rId19"/>
     </p:embeddedFont>
     <p:embeddedFont>
-      <p:font typeface="DM Sans Bold" panose="020B0604020202020204" charset="0"/>
+      <p:font typeface="Oswald Bold" panose="020B0604020202020204" charset="-93"/>
       <p:regular r:id="rId20"/>
     </p:embeddedFont>
     <p:embeddedFont>
-      <p:font typeface="Oswald Bold" panose="020B0604020202020204" charset="-93"/>
+      <p:font typeface="Montserrat Classic Bold" panose="020B0604020202020204" charset="0"/>
       <p:regular r:id="rId21"/>
     </p:embeddedFont>
     <p:embeddedFont>
-      <p:font typeface="DM Sans" panose="020B0604020202020204" charset="0"/>
+      <p:font typeface="DM Sans Bold" panose="020B0604020202020204" charset="0"/>
       <p:regular r:id="rId22"/>
     </p:embeddedFont>
   </p:embeddedFontLst>
@@ -3200,7 +3200,7 @@
             <a:blip r:embed="rId3">
               <a:extLst>
                 <a:ext uri="{96DAC541-7B7A-43D3-8B79-37D633B846F1}">
-                  <asvg:svgBlip xmlns="" xmlns:asvg="http://schemas.microsoft.com/office/drawing/2016/SVG/main" r:embed="rId4"/>
+                  <asvg:svgBlip xmlns:asvg="http://schemas.microsoft.com/office/drawing/2016/SVG/main" xmlns="" r:embed="rId4"/>
                 </a:ext>
               </a:extLst>
             </a:blip>
@@ -3252,7 +3252,7 @@
             <a:blip r:embed="rId3">
               <a:extLst>
                 <a:ext uri="{96DAC541-7B7A-43D3-8B79-37D633B846F1}">
-                  <asvg:svgBlip xmlns="" xmlns:asvg="http://schemas.microsoft.com/office/drawing/2016/SVG/main" r:embed="rId4"/>
+                  <asvg:svgBlip xmlns:asvg="http://schemas.microsoft.com/office/drawing/2016/SVG/main" xmlns="" r:embed="rId4"/>
                 </a:ext>
               </a:extLst>
             </a:blip>
@@ -3588,7 +3588,7 @@
             <a:blip r:embed="rId3">
               <a:extLst>
                 <a:ext uri="{96DAC541-7B7A-43D3-8B79-37D633B846F1}">
-                  <asvg:svgBlip xmlns="" xmlns:asvg="http://schemas.microsoft.com/office/drawing/2016/SVG/main" r:embed="rId4"/>
+                  <asvg:svgBlip xmlns:asvg="http://schemas.microsoft.com/office/drawing/2016/SVG/main" xmlns="" r:embed="rId4"/>
                 </a:ext>
               </a:extLst>
             </a:blip>
@@ -4616,7 +4616,7 @@
             <a:blip r:embed="rId2">
               <a:extLst>
                 <a:ext uri="{96DAC541-7B7A-43D3-8B79-37D633B846F1}">
-                  <asvg:svgBlip xmlns="" xmlns:asvg="http://schemas.microsoft.com/office/drawing/2016/SVG/main" r:embed="rId3"/>
+                  <asvg:svgBlip xmlns:asvg="http://schemas.microsoft.com/office/drawing/2016/SVG/main" xmlns="" r:embed="rId3"/>
                 </a:ext>
               </a:extLst>
             </a:blip>
@@ -4706,7 +4706,7 @@
             <a:blip r:embed="rId4">
               <a:extLst>
                 <a:ext uri="{96DAC541-7B7A-43D3-8B79-37D633B846F1}">
-                  <asvg:svgBlip xmlns="" xmlns:asvg="http://schemas.microsoft.com/office/drawing/2016/SVG/main" r:embed="rId5"/>
+                  <asvg:svgBlip xmlns:asvg="http://schemas.microsoft.com/office/drawing/2016/SVG/main" xmlns="" r:embed="rId5"/>
                 </a:ext>
               </a:extLst>
             </a:blip>
@@ -5101,7 +5101,7 @@
             <a:blip r:embed="rId3">
               <a:extLst>
                 <a:ext uri="{96DAC541-7B7A-43D3-8B79-37D633B846F1}">
-                  <asvg:svgBlip xmlns="" xmlns:asvg="http://schemas.microsoft.com/office/drawing/2016/SVG/main" r:embed="rId4"/>
+                  <asvg:svgBlip xmlns:asvg="http://schemas.microsoft.com/office/drawing/2016/SVG/main" xmlns="" r:embed="rId4"/>
                 </a:ext>
               </a:extLst>
             </a:blip>
@@ -5153,7 +5153,7 @@
             <a:blip r:embed="rId5">
               <a:extLst>
                 <a:ext uri="{96DAC541-7B7A-43D3-8B79-37D633B846F1}">
-                  <asvg:svgBlip xmlns="" xmlns:asvg="http://schemas.microsoft.com/office/drawing/2016/SVG/main" r:embed="rId6"/>
+                  <asvg:svgBlip xmlns:asvg="http://schemas.microsoft.com/office/drawing/2016/SVG/main" xmlns="" r:embed="rId6"/>
                 </a:ext>
               </a:extLst>
             </a:blip>
@@ -5400,7 +5400,7 @@
             <a:blip r:embed="rId3">
               <a:extLst>
                 <a:ext uri="{96DAC541-7B7A-43D3-8B79-37D633B846F1}">
-                  <asvg:svgBlip xmlns="" xmlns:asvg="http://schemas.microsoft.com/office/drawing/2016/SVG/main" r:embed="rId4"/>
+                  <asvg:svgBlip xmlns:asvg="http://schemas.microsoft.com/office/drawing/2016/SVG/main" xmlns="" r:embed="rId4"/>
                 </a:ext>
               </a:extLst>
             </a:blip>
@@ -5584,7 +5584,7 @@
             <a:blip r:embed="rId3">
               <a:extLst>
                 <a:ext uri="{96DAC541-7B7A-43D3-8B79-37D633B846F1}">
-                  <asvg:svgBlip xmlns="" xmlns:asvg="http://schemas.microsoft.com/office/drawing/2016/SVG/main" r:embed="rId4"/>
+                  <asvg:svgBlip xmlns:asvg="http://schemas.microsoft.com/office/drawing/2016/SVG/main" xmlns="" r:embed="rId4"/>
                 </a:ext>
               </a:extLst>
             </a:blip>
@@ -5768,7 +5768,7 @@
             <a:blip r:embed="rId3">
               <a:extLst>
                 <a:ext uri="{96DAC541-7B7A-43D3-8B79-37D633B846F1}">
-                  <asvg:svgBlip xmlns="" xmlns:asvg="http://schemas.microsoft.com/office/drawing/2016/SVG/main" r:embed="rId4"/>
+                  <asvg:svgBlip xmlns:asvg="http://schemas.microsoft.com/office/drawing/2016/SVG/main" xmlns="" r:embed="rId4"/>
                 </a:ext>
               </a:extLst>
             </a:blip>
@@ -6069,7 +6069,7 @@
             <a:blip r:embed="rId5">
               <a:extLst>
                 <a:ext uri="{96DAC541-7B7A-43D3-8B79-37D633B846F1}">
-                  <asvg:svgBlip xmlns="" xmlns:asvg="http://schemas.microsoft.com/office/drawing/2016/SVG/main" r:embed="rId6"/>
+                  <asvg:svgBlip xmlns:asvg="http://schemas.microsoft.com/office/drawing/2016/SVG/main" xmlns="" r:embed="rId6"/>
                 </a:ext>
               </a:extLst>
             </a:blip>
@@ -6191,7 +6191,7 @@
             <a:blip r:embed="rId2">
               <a:extLst>
                 <a:ext uri="{96DAC541-7B7A-43D3-8B79-37D633B846F1}">
-                  <asvg:svgBlip xmlns="" xmlns:asvg="http://schemas.microsoft.com/office/drawing/2016/SVG/main" r:embed="rId4"/>
+                  <asvg:svgBlip xmlns:asvg="http://schemas.microsoft.com/office/drawing/2016/SVG/main" xmlns="" r:embed="rId4"/>
                 </a:ext>
               </a:extLst>
             </a:blip>
@@ -6562,7 +6562,7 @@
       </p:sp>
       <p:pic>
         <p:nvPicPr>
-          <p:cNvPr id="7" name="Picture 6"/>
+          <p:cNvPr id="2" name="Picture 1"/>
           <p:cNvPicPr>
             <a:picLocks noChangeAspect="1"/>
           </p:cNvPicPr>
@@ -6582,7 +6582,7 @@
         </p:blipFill>
         <p:spPr>
           <a:xfrm>
-            <a:off x="10058400" y="0"/>
+            <a:off x="10820400" y="0"/>
             <a:ext cx="3851753" cy="10287000"/>
           </a:xfrm>
           <a:prstGeom prst="rect">
@@ -6748,7 +6748,7 @@
             <a:blip r:embed="rId3">
               <a:extLst>
                 <a:ext uri="{96DAC541-7B7A-43D3-8B79-37D633B846F1}">
-                  <asvg:svgBlip xmlns="" xmlns:asvg="http://schemas.microsoft.com/office/drawing/2016/SVG/main" r:embed="rId4"/>
+                  <asvg:svgBlip xmlns:asvg="http://schemas.microsoft.com/office/drawing/2016/SVG/main" xmlns="" r:embed="rId4"/>
                 </a:ext>
               </a:extLst>
             </a:blip>
@@ -7173,7 +7173,7 @@
             <a:blip r:embed="rId3">
               <a:extLst>
                 <a:ext uri="{96DAC541-7B7A-43D3-8B79-37D633B846F1}">
-                  <asvg:svgBlip xmlns="" xmlns:asvg="http://schemas.microsoft.com/office/drawing/2016/SVG/main" r:embed="rId4"/>
+                  <asvg:svgBlip xmlns:asvg="http://schemas.microsoft.com/office/drawing/2016/SVG/main" xmlns="" r:embed="rId4"/>
                 </a:ext>
               </a:extLst>
             </a:blip>
@@ -7493,7 +7493,7 @@
             <a:blip r:embed="rId3">
               <a:extLst>
                 <a:ext uri="{96DAC541-7B7A-43D3-8B79-37D633B846F1}">
-                  <asvg:svgBlip xmlns="" xmlns:asvg="http://schemas.microsoft.com/office/drawing/2016/SVG/main" r:embed="rId4"/>
+                  <asvg:svgBlip xmlns:asvg="http://schemas.microsoft.com/office/drawing/2016/SVG/main" xmlns="" r:embed="rId4"/>
                 </a:ext>
               </a:extLst>
             </a:blip>
